--- a/Working_time_management/doc/Arbeitszeiterfassung.pptx
+++ b/Working_time_management/doc/Arbeitszeiterfassung.pptx
@@ -4041,7 +4041,7 @@
         <p:spPr>
           <a:xfrm>
             <a:off x="532349" y="1944210"/>
-            <a:ext cx="4598944" cy="2308324"/>
+            <a:ext cx="4598944" cy="3693319"/>
           </a:xfrm>
           <a:prstGeom prst="rect">
             <a:avLst/>
@@ -4076,7 +4076,7 @@
             </a:pPr>
             <a:r>
               <a:rPr lang="de-DE" dirty="0"/>
-              <a:t>Generell einen Überblick über den Ablauf und die Komplexität der Softwareentwicklung zu bekommen</a:t>
+              <a:t>Ein Grund dafür war die Verwendung von Visual Studio Community und dessen GitHub Plug-in</a:t>
             </a:r>
           </a:p>
           <a:p>
@@ -4086,7 +4086,27 @@
             </a:pPr>
             <a:r>
               <a:rPr lang="de-DE" dirty="0"/>
+              <a:t>Generell einen Überblick über den Ablauf und die Komplexität der Softwareentwicklung zu bekommen</a:t>
+            </a:r>
+          </a:p>
+          <a:p>
+            <a:pPr marL="285750" indent="-285750">
+              <a:buFont typeface="Arial" panose="020B0604020202020204" pitchFamily="34" charset="0"/>
+              <a:buChar char="•"/>
+            </a:pPr>
+            <a:r>
+              <a:rPr lang="de-DE" dirty="0"/>
               <a:t>C# und XAML und generell WPF zu lernen</a:t>
+            </a:r>
+          </a:p>
+          <a:p>
+            <a:pPr marL="285750" indent="-285750">
+              <a:buFont typeface="Arial" panose="020B0604020202020204" pitchFamily="34" charset="0"/>
+              <a:buChar char="•"/>
+            </a:pPr>
+            <a:r>
+              <a:rPr lang="de-DE" dirty="0"/>
+              <a:t>Die Kernaufgaben und Funktionalitäten konnten gut umgesetzt werden</a:t>
             </a:r>
           </a:p>
           <a:p>
@@ -4113,7 +4133,7 @@
         <p:spPr>
           <a:xfrm>
             <a:off x="7060709" y="1944209"/>
-            <a:ext cx="4598944" cy="2308324"/>
+            <a:ext cx="4598944" cy="3970318"/>
           </a:xfrm>
           <a:prstGeom prst="rect">
             <a:avLst/>
@@ -4138,7 +4158,27 @@
             </a:pPr>
             <a:r>
               <a:rPr lang="de-DE" dirty="0"/>
-              <a:t>Der Umfang dieses Projekts bzw. des Moduls war zu groß</a:t>
+              <a:t>Der Umfang dieses Projekts bzw. des Moduls war etwas zu groß</a:t>
+            </a:r>
+          </a:p>
+          <a:p>
+            <a:pPr marL="285750" indent="-285750">
+              <a:buFont typeface="Arial" panose="020B0604020202020204" pitchFamily="34" charset="0"/>
+              <a:buChar char="•"/>
+            </a:pPr>
+            <a:r>
+              <a:rPr lang="de-DE" dirty="0"/>
+              <a:t>Durch die neue Umgebung (WPF / UI) wurde erst viel ausprobiert und einiges dann aus Zeitgründen beibehalten</a:t>
+            </a:r>
+          </a:p>
+          <a:p>
+            <a:pPr marL="285750" indent="-285750">
+              <a:buFont typeface="Arial" panose="020B0604020202020204" pitchFamily="34" charset="0"/>
+              <a:buChar char="•"/>
+            </a:pPr>
+            <a:r>
+              <a:rPr lang="de-DE" dirty="0"/>
+              <a:t>Code Behind ist deshalb noch an einigen Stellen nicht optimal strukturiert und nicht objektorientiert </a:t>
             </a:r>
           </a:p>
           <a:p>
@@ -6008,6 +6048,14 @@
 </file>
 
 <file path=customXml/item1.xml><?xml version="1.0" encoding="utf-8"?>
+<p:properties xmlns:p="http://schemas.microsoft.com/office/2006/metadata/properties" xmlns:xsi="http://www.w3.org/2001/XMLSchema-instance" xmlns:pc="http://schemas.microsoft.com/office/infopath/2007/PartnerControls">
+  <documentManagement>
+    <_activity xmlns="0e628951-5797-43db-ba74-f74f1a2c7e67" xsi:nil="true"/>
+  </documentManagement>
+</p:properties>
+</file>
+
+<file path=customXml/item2.xml><?xml version="1.0" encoding="utf-8"?>
 <ct:contentTypeSchema xmlns:ct="http://schemas.microsoft.com/office/2006/metadata/contentType" xmlns:ma="http://schemas.microsoft.com/office/2006/metadata/properties/metaAttributes" ct:_="" ma:_="" ma:contentTypeName="Dokument" ma:contentTypeID="0x01010024316B3CA08FE644864DC0F41AA6F71A" ma:contentTypeVersion="3" ma:contentTypeDescription="Ein neues Dokument erstellen." ma:contentTypeScope="" ma:versionID="fe4e5174c31a219c7c450f8e9f1760f9">
   <xsd:schema xmlns:xsd="http://www.w3.org/2001/XMLSchema" xmlns:xs="http://www.w3.org/2001/XMLSchema" xmlns:p="http://schemas.microsoft.com/office/2006/metadata/properties" xmlns:ns3="0e628951-5797-43db-ba74-f74f1a2c7e67" targetNamespace="http://schemas.microsoft.com/office/2006/metadata/properties" ma:root="true" ma:fieldsID="e1fd87471a7d0a9cbab4b0f756fb4d30" ns3:_="">
     <xsd:import namespace="0e628951-5797-43db-ba74-f74f1a2c7e67"/>
@@ -6145,7 +6193,7 @@
 </ct:contentTypeSchema>
 </file>
 
-<file path=customXml/item2.xml><?xml version="1.0" encoding="utf-8"?>
+<file path=customXml/item3.xml><?xml version="1.0" encoding="utf-8"?>
 <?mso-contentType ?>
 <FormTemplates xmlns="http://schemas.microsoft.com/sharepoint/v3/contenttype/forms">
   <Display>DocumentLibraryForm</Display>
@@ -6154,15 +6202,23 @@
 </FormTemplates>
 </file>
 
-<file path=customXml/item3.xml><?xml version="1.0" encoding="utf-8"?>
-<p:properties xmlns:p="http://schemas.microsoft.com/office/2006/metadata/properties" xmlns:xsi="http://www.w3.org/2001/XMLSchema-instance" xmlns:pc="http://schemas.microsoft.com/office/infopath/2007/PartnerControls">
-  <documentManagement>
-    <_activity xmlns="0e628951-5797-43db-ba74-f74f1a2c7e67" xsi:nil="true"/>
-  </documentManagement>
-</p:properties>
+<file path=customXml/itemProps1.xml><?xml version="1.0" encoding="utf-8"?>
+<ds:datastoreItem xmlns:ds="http://schemas.openxmlformats.org/officeDocument/2006/customXml" ds:itemID="{E5F03FED-77C8-4153-A9C0-52A4909A3E11}">
+  <ds:schemaRefs>
+    <ds:schemaRef ds:uri="http://schemas.microsoft.com/office/2006/documentManagement/types"/>
+    <ds:schemaRef ds:uri="http://schemas.microsoft.com/office/infopath/2007/PartnerControls"/>
+    <ds:schemaRef ds:uri="http://purl.org/dc/elements/1.1/"/>
+    <ds:schemaRef ds:uri="0e628951-5797-43db-ba74-f74f1a2c7e67"/>
+    <ds:schemaRef ds:uri="http://schemas.microsoft.com/office/2006/metadata/properties"/>
+    <ds:schemaRef ds:uri="http://schemas.openxmlformats.org/package/2006/metadata/core-properties"/>
+    <ds:schemaRef ds:uri="http://purl.org/dc/terms/"/>
+    <ds:schemaRef ds:uri="http://purl.org/dc/dcmitype/"/>
+    <ds:schemaRef ds:uri="http://www.w3.org/XML/1998/namespace"/>
+  </ds:schemaRefs>
+</ds:datastoreItem>
 </file>
 
-<file path=customXml/itemProps1.xml><?xml version="1.0" encoding="utf-8"?>
+<file path=customXml/itemProps2.xml><?xml version="1.0" encoding="utf-8"?>
 <ds:datastoreItem xmlns:ds="http://schemas.openxmlformats.org/officeDocument/2006/customXml" ds:itemID="{C34D1441-2A40-417E-A051-0A1172F6E930}">
   <ds:schemaRefs>
     <ds:schemaRef ds:uri="http://schemas.microsoft.com/office/2006/metadata/contentType"/>
@@ -6180,26 +6236,10 @@
 </ds:datastoreItem>
 </file>
 
-<file path=customXml/itemProps2.xml><?xml version="1.0" encoding="utf-8"?>
+<file path=customXml/itemProps3.xml><?xml version="1.0" encoding="utf-8"?>
 <ds:datastoreItem xmlns:ds="http://schemas.openxmlformats.org/officeDocument/2006/customXml" ds:itemID="{1D1A3198-92DA-4008-914C-533FD91C87C3}">
   <ds:schemaRefs>
     <ds:schemaRef ds:uri="http://schemas.microsoft.com/sharepoint/v3/contenttype/forms"/>
   </ds:schemaRefs>
 </ds:datastoreItem>
-</file>
-
-<file path=customXml/itemProps3.xml><?xml version="1.0" encoding="utf-8"?>
-<ds:datastoreItem xmlns:ds="http://schemas.openxmlformats.org/officeDocument/2006/customXml" ds:itemID="{E5F03FED-77C8-4153-A9C0-52A4909A3E11}">
-  <ds:schemaRefs>
-    <ds:schemaRef ds:uri="http://schemas.microsoft.com/office/2006/documentManagement/types"/>
-    <ds:schemaRef ds:uri="http://schemas.microsoft.com/office/infopath/2007/PartnerControls"/>
-    <ds:schemaRef ds:uri="http://purl.org/dc/elements/1.1/"/>
-    <ds:schemaRef ds:uri="0e628951-5797-43db-ba74-f74f1a2c7e67"/>
-    <ds:schemaRef ds:uri="http://schemas.microsoft.com/office/2006/metadata/properties"/>
-    <ds:schemaRef ds:uri="http://schemas.openxmlformats.org/package/2006/metadata/core-properties"/>
-    <ds:schemaRef ds:uri="http://purl.org/dc/terms/"/>
-    <ds:schemaRef ds:uri="http://purl.org/dc/dcmitype/"/>
-    <ds:schemaRef ds:uri="http://www.w3.org/XML/1998/namespace"/>
-  </ds:schemaRefs>
-</ds:datastoreItem>
 </file>